--- a/EEG_fNIRS/presentation/eeg_fnirs_ad_detection.pptx
+++ b/EEG_fNIRS/presentation/eeg_fnirs_ad_detection.pptx
@@ -6403,7 +6403,7 @@
         </p:nvGraphicFramePr>
         <p:xfrm>
           <a:off x="478155" y="3026410"/>
-          <a:ext cx="7242810" cy="2602230"/>
+          <a:ext cx="7242810" cy="2603500"/>
         </p:xfrm>
         <a:graphic>
           <a:graphicData uri="http://schemas.openxmlformats.org/drawingml/2006/table">
@@ -6804,40 +6804,871 @@
       </p:sp>
       <p:sp>
         <p:nvSpPr>
-          <p:cNvPr id="3" name="内容占位符 2"/>
-          <p:cNvSpPr>
-            <a:spLocks noGrp="1"/>
-          </p:cNvSpPr>
-          <p:nvPr>
-            <p:ph sz="half" idx="1"/>
-          </p:nvPr>
-        </p:nvSpPr>
-        <p:spPr/>
-        <p:txBody>
-          <a:bodyPr/>
-          <a:p>
-            <a:endParaRPr lang="zh-CN" altLang="en-US"/>
-          </a:p>
-        </p:txBody>
-      </p:sp>
-      <p:sp>
-        <p:nvSpPr>
-          <p:cNvPr id="4" name="内容占位符 3"/>
-          <p:cNvSpPr>
-            <a:spLocks noGrp="1"/>
-          </p:cNvSpPr>
-          <p:nvPr>
-            <p:ph sz="half" idx="2"/>
-          </p:nvPr>
-        </p:nvSpPr>
-        <p:spPr/>
-        <p:txBody>
-          <a:bodyPr/>
-          <a:p>
-            <a:endParaRPr lang="zh-CN" altLang="en-US"/>
-          </a:p>
-        </p:txBody>
-      </p:sp>
+          <p:cNvPr id="5" name="文本框 4"/>
+          <p:cNvSpPr txBox="1"/>
+          <p:nvPr/>
+        </p:nvSpPr>
+        <p:spPr>
+          <a:xfrm>
+            <a:off x="403860" y="1470025"/>
+            <a:ext cx="4400550" cy="1426210"/>
+          </a:xfrm>
+          <a:prstGeom prst="rect">
+            <a:avLst/>
+          </a:prstGeom>
+          <a:noFill/>
+        </p:spPr>
+        <p:txBody>
+          <a:bodyPr wrap="square" rtlCol="0">
+            <a:noAutofit/>
+          </a:bodyPr>
+          <a:p>
+            <a:r>
+              <a:rPr lang="en-US" altLang="zh-CN" sz="2000" b="1">
+                <a:solidFill>
+                  <a:srgbClr val="FFFF00"/>
+                </a:solidFill>
+              </a:rPr>
+              <a:t>1. Resting Task:</a:t>
+            </a:r>
+            <a:endParaRPr lang="en-US" altLang="zh-CN" sz="2000" b="1">
+              <a:solidFill>
+                <a:srgbClr val="FFFF00"/>
+              </a:solidFill>
+            </a:endParaRPr>
+          </a:p>
+          <a:p>
+            <a:pPr marL="285750" indent="-285750">
+              <a:buFont typeface="Arial" panose="020B0604020202020204" pitchFamily="34" charset="0"/>
+              <a:buChar char="•"/>
+            </a:pPr>
+            <a:r>
+              <a:rPr lang="en-US" altLang="zh-CN" sz="2000">
+                <a:solidFill>
+                  <a:schemeClr val="bg1"/>
+                </a:solidFill>
+              </a:rPr>
+              <a:t>Focus on a white cross on a screen</a:t>
+            </a:r>
+            <a:endParaRPr lang="en-US" altLang="zh-CN" sz="2000">
+              <a:solidFill>
+                <a:schemeClr val="bg1"/>
+              </a:solidFill>
+            </a:endParaRPr>
+          </a:p>
+          <a:p>
+            <a:pPr marL="285750" indent="-285750">
+              <a:buFont typeface="Arial" panose="020B0604020202020204" pitchFamily="34" charset="0"/>
+              <a:buChar char="•"/>
+            </a:pPr>
+            <a:r>
+              <a:rPr lang="en-US" altLang="zh-CN" sz="2000">
+                <a:solidFill>
+                  <a:schemeClr val="bg1"/>
+                </a:solidFill>
+              </a:rPr>
+              <a:t>Duration: 60 seconds</a:t>
+            </a:r>
+            <a:endParaRPr lang="en-US" altLang="zh-CN" sz="2000">
+              <a:solidFill>
+                <a:schemeClr val="bg1"/>
+              </a:solidFill>
+            </a:endParaRPr>
+          </a:p>
+          <a:p>
+            <a:pPr marL="285750" indent="-285750">
+              <a:buFont typeface="Arial" panose="020B0604020202020204" pitchFamily="34" charset="0"/>
+              <a:buChar char="•"/>
+            </a:pPr>
+            <a:r>
+              <a:rPr lang="en-US" altLang="zh-CN" sz="2000">
+                <a:solidFill>
+                  <a:schemeClr val="bg1"/>
+                </a:solidFill>
+              </a:rPr>
+              <a:t>Baseline brain activity measurement</a:t>
+            </a:r>
+            <a:endParaRPr lang="en-US" altLang="zh-CN" sz="2000">
+              <a:solidFill>
+                <a:schemeClr val="bg1"/>
+              </a:solidFill>
+            </a:endParaRPr>
+          </a:p>
+        </p:txBody>
+      </p:sp>
+      <p:sp>
+        <p:nvSpPr>
+          <p:cNvPr id="9" name="文本框 8"/>
+          <p:cNvSpPr txBox="1"/>
+          <p:nvPr/>
+        </p:nvSpPr>
+        <p:spPr>
+          <a:xfrm>
+            <a:off x="5986780" y="1470025"/>
+            <a:ext cx="4788535" cy="1817370"/>
+          </a:xfrm>
+          <a:prstGeom prst="rect">
+            <a:avLst/>
+          </a:prstGeom>
+          <a:noFill/>
+        </p:spPr>
+        <p:txBody>
+          <a:bodyPr wrap="square" rtlCol="0">
+            <a:noAutofit/>
+          </a:bodyPr>
+          <a:p>
+            <a:pPr algn="l">
+              <a:buClrTx/>
+              <a:buSzTx/>
+              <a:buFontTx/>
+            </a:pPr>
+            <a:r>
+              <a:rPr lang="en-US" altLang="zh-CN" sz="2000" b="1">
+                <a:solidFill>
+                  <a:srgbClr val="FFFF00"/>
+                </a:solidFill>
+              </a:rPr>
+              <a:t>2. Oddball Task:</a:t>
+            </a:r>
+            <a:endParaRPr lang="en-US" altLang="zh-CN" sz="2000" b="1">
+              <a:solidFill>
+                <a:srgbClr val="FFFF00"/>
+              </a:solidFill>
+            </a:endParaRPr>
+          </a:p>
+          <a:p>
+            <a:pPr marL="285750" indent="-285750">
+              <a:buFont typeface="Arial" panose="020B0604020202020204" pitchFamily="34" charset="0"/>
+              <a:buChar char="•"/>
+            </a:pPr>
+            <a:r>
+              <a:rPr lang="en-US" altLang="zh-CN" sz="2000">
+                <a:solidFill>
+                  <a:schemeClr val="bg1"/>
+                </a:solidFill>
+              </a:rPr>
+              <a:t>Identify yellow (target) and blue (non-target) circles</a:t>
+            </a:r>
+            <a:endParaRPr lang="en-US" altLang="zh-CN" sz="2000">
+              <a:solidFill>
+                <a:schemeClr val="bg1"/>
+              </a:solidFill>
+            </a:endParaRPr>
+          </a:p>
+          <a:p>
+            <a:pPr marL="285750" indent="-285750">
+              <a:buFont typeface="Arial" panose="020B0604020202020204" pitchFamily="34" charset="0"/>
+              <a:buChar char="•"/>
+            </a:pPr>
+            <a:r>
+              <a:rPr lang="en-US" altLang="zh-CN" sz="2000">
+                <a:solidFill>
+                  <a:schemeClr val="bg1"/>
+                </a:solidFill>
+              </a:rPr>
+              <a:t>Respond to yellow by pressing a button</a:t>
+            </a:r>
+            <a:endParaRPr lang="en-US" altLang="zh-CN" sz="2000">
+              <a:solidFill>
+                <a:schemeClr val="bg1"/>
+              </a:solidFill>
+            </a:endParaRPr>
+          </a:p>
+          <a:p>
+            <a:pPr marL="285750" indent="-285750">
+              <a:buFont typeface="Arial" panose="020B0604020202020204" pitchFamily="34" charset="0"/>
+              <a:buChar char="•"/>
+            </a:pPr>
+            <a:r>
+              <a:rPr lang="en-US" altLang="zh-CN" sz="2000">
+                <a:solidFill>
+                  <a:schemeClr val="bg1"/>
+                </a:solidFill>
+              </a:rPr>
+              <a:t>Tests attention and response inhibition</a:t>
+            </a:r>
+            <a:endParaRPr lang="en-US" altLang="zh-CN" sz="2000">
+              <a:solidFill>
+                <a:schemeClr val="bg1"/>
+              </a:solidFill>
+            </a:endParaRPr>
+          </a:p>
+        </p:txBody>
+      </p:sp>
+      <p:sp>
+        <p:nvSpPr>
+          <p:cNvPr id="10" name="文本框 9"/>
+          <p:cNvSpPr txBox="1"/>
+          <p:nvPr/>
+        </p:nvSpPr>
+        <p:spPr>
+          <a:xfrm>
+            <a:off x="328930" y="988695"/>
+            <a:ext cx="8279765" cy="416560"/>
+          </a:xfrm>
+          <a:prstGeom prst="rect">
+            <a:avLst/>
+          </a:prstGeom>
+          <a:noFill/>
+        </p:spPr>
+        <p:txBody>
+          <a:bodyPr wrap="square" rtlCol="0">
+            <a:noAutofit/>
+          </a:bodyPr>
+          <a:p>
+            <a:r>
+              <a:rPr lang="en-US" altLang="zh-CN" sz="2000">
+                <a:solidFill>
+                  <a:schemeClr val="bg1"/>
+                </a:solidFill>
+              </a:rPr>
+              <a:t>EEG and fNIRS signals are detected during the process of the four tasks below:</a:t>
+            </a:r>
+            <a:r>
+              <a:rPr lang="en-US" altLang="zh-CN">
+                <a:solidFill>
+                  <a:schemeClr val="bg1"/>
+                </a:solidFill>
+              </a:rPr>
+              <a:t> </a:t>
+            </a:r>
+            <a:endParaRPr lang="en-US" altLang="zh-CN">
+              <a:solidFill>
+                <a:schemeClr val="bg1"/>
+              </a:solidFill>
+            </a:endParaRPr>
+          </a:p>
+        </p:txBody>
+      </p:sp>
+      <p:sp>
+        <p:nvSpPr>
+          <p:cNvPr id="11" name="文本框 10"/>
+          <p:cNvSpPr txBox="1"/>
+          <p:nvPr/>
+        </p:nvSpPr>
+        <p:spPr>
+          <a:xfrm>
+            <a:off x="403860" y="2834005"/>
+            <a:ext cx="4622165" cy="2357120"/>
+          </a:xfrm>
+          <a:prstGeom prst="rect">
+            <a:avLst/>
+          </a:prstGeom>
+          <a:noFill/>
+        </p:spPr>
+        <p:txBody>
+          <a:bodyPr wrap="square" rtlCol="0">
+            <a:noAutofit/>
+          </a:bodyPr>
+          <a:p>
+            <a:pPr algn="l">
+              <a:buClrTx/>
+              <a:buSzTx/>
+              <a:buFontTx/>
+            </a:pPr>
+            <a:r>
+              <a:rPr lang="en-US" altLang="zh-CN" sz="2000" b="1">
+                <a:solidFill>
+                  <a:srgbClr val="FFFF00"/>
+                </a:solidFill>
+              </a:rPr>
+              <a:t>3. 1-back Task:</a:t>
+            </a:r>
+            <a:endParaRPr lang="en-US" altLang="zh-CN" sz="2000" b="1">
+              <a:solidFill>
+                <a:srgbClr val="FFFF00"/>
+              </a:solidFill>
+            </a:endParaRPr>
+          </a:p>
+          <a:p>
+            <a:pPr marL="285750" indent="-285750">
+              <a:buFont typeface="Arial" panose="020B0604020202020204" pitchFamily="34" charset="0"/>
+              <a:buChar char="•"/>
+            </a:pPr>
+            <a:r>
+              <a:rPr lang="en-US" altLang="zh-CN" sz="2000">
+                <a:solidFill>
+                  <a:schemeClr val="bg1"/>
+                </a:solidFill>
+              </a:rPr>
+              <a:t>A number in {1,2,3} shows on a screen every time</a:t>
+            </a:r>
+            <a:endParaRPr lang="en-US" altLang="zh-CN" sz="2000">
+              <a:solidFill>
+                <a:schemeClr val="bg1"/>
+              </a:solidFill>
+            </a:endParaRPr>
+          </a:p>
+          <a:p>
+            <a:pPr marL="285750" indent="-285750">
+              <a:buFont typeface="Arial" panose="020B0604020202020204" pitchFamily="34" charset="0"/>
+              <a:buChar char="•"/>
+            </a:pPr>
+            <a:r>
+              <a:rPr lang="en-US" altLang="zh-CN" sz="2000">
+                <a:solidFill>
+                  <a:schemeClr val="bg1"/>
+                </a:solidFill>
+              </a:rPr>
+              <a:t>Press a button when the current number matches the previous one</a:t>
+            </a:r>
+            <a:endParaRPr lang="en-US" altLang="zh-CN" sz="2000">
+              <a:solidFill>
+                <a:schemeClr val="bg1"/>
+              </a:solidFill>
+            </a:endParaRPr>
+          </a:p>
+          <a:p>
+            <a:pPr marL="285750" indent="-285750">
+              <a:buFont typeface="Arial" panose="020B0604020202020204" pitchFamily="34" charset="0"/>
+              <a:buChar char="•"/>
+            </a:pPr>
+            <a:r>
+              <a:rPr lang="en-US" altLang="zh-CN" sz="2000">
+                <a:solidFill>
+                  <a:schemeClr val="bg1"/>
+                </a:solidFill>
+              </a:rPr>
+              <a:t>Evaluates working memory and cognitive flexibility</a:t>
+            </a:r>
+            <a:endParaRPr lang="en-US" altLang="zh-CN" sz="2000">
+              <a:solidFill>
+                <a:schemeClr val="bg1"/>
+              </a:solidFill>
+            </a:endParaRPr>
+          </a:p>
+        </p:txBody>
+      </p:sp>
+      <p:sp>
+        <p:nvSpPr>
+          <p:cNvPr id="12" name="文本框 11"/>
+          <p:cNvSpPr txBox="1"/>
+          <p:nvPr/>
+        </p:nvSpPr>
+        <p:spPr>
+          <a:xfrm>
+            <a:off x="5986780" y="4177665"/>
+            <a:ext cx="4400550" cy="1877060"/>
+          </a:xfrm>
+          <a:prstGeom prst="rect">
+            <a:avLst/>
+          </a:prstGeom>
+          <a:noFill/>
+        </p:spPr>
+        <p:txBody>
+          <a:bodyPr wrap="square" rtlCol="0">
+            <a:noAutofit/>
+          </a:bodyPr>
+          <a:p>
+            <a:pPr algn="l">
+              <a:buClrTx/>
+              <a:buSzTx/>
+              <a:buFontTx/>
+            </a:pPr>
+            <a:r>
+              <a:rPr lang="en-US" altLang="zh-CN" sz="2000" b="1">
+                <a:solidFill>
+                  <a:srgbClr val="FFFF00"/>
+                </a:solidFill>
+              </a:rPr>
+              <a:t>4. Verbal Fluency Task:</a:t>
+            </a:r>
+            <a:endParaRPr lang="en-US" altLang="zh-CN" sz="2000" b="1">
+              <a:solidFill>
+                <a:srgbClr val="FFFF00"/>
+              </a:solidFill>
+            </a:endParaRPr>
+          </a:p>
+          <a:p>
+            <a:pPr marL="285750" indent="-285750">
+              <a:buFont typeface="Arial" panose="020B0604020202020204" pitchFamily="34" charset="0"/>
+              <a:buChar char="•"/>
+            </a:pPr>
+            <a:r>
+              <a:rPr lang="en-US" altLang="zh-CN" sz="2000" b="1">
+                <a:solidFill>
+                  <a:schemeClr val="bg1"/>
+                </a:solidFill>
+              </a:rPr>
+              <a:t>Phonemic Fluency:</a:t>
+            </a:r>
+            <a:r>
+              <a:rPr lang="en-US" altLang="zh-CN" sz="2000">
+                <a:solidFill>
+                  <a:schemeClr val="bg1"/>
+                </a:solidFill>
+              </a:rPr>
+              <a:t> Generate words starting with a given letter</a:t>
+            </a:r>
+            <a:endParaRPr lang="en-US" altLang="zh-CN" sz="2000">
+              <a:solidFill>
+                <a:schemeClr val="bg1"/>
+              </a:solidFill>
+            </a:endParaRPr>
+          </a:p>
+          <a:p>
+            <a:pPr marL="285750" indent="-285750">
+              <a:buFont typeface="Arial" panose="020B0604020202020204" pitchFamily="34" charset="0"/>
+              <a:buChar char="•"/>
+            </a:pPr>
+            <a:r>
+              <a:rPr lang="en-US" altLang="zh-CN" sz="2000" b="1">
+                <a:solidFill>
+                  <a:schemeClr val="bg1"/>
+                </a:solidFill>
+              </a:rPr>
+              <a:t>Semantic Fluency:</a:t>
+            </a:r>
+            <a:r>
+              <a:rPr lang="en-US" altLang="zh-CN" sz="2000">
+                <a:solidFill>
+                  <a:schemeClr val="bg1"/>
+                </a:solidFill>
+              </a:rPr>
+              <a:t> Generate words within a specific category (e.g., animals)</a:t>
+            </a:r>
+            <a:endParaRPr lang="en-US" altLang="zh-CN" sz="2000">
+              <a:solidFill>
+                <a:schemeClr val="bg1"/>
+              </a:solidFill>
+            </a:endParaRPr>
+          </a:p>
+        </p:txBody>
+      </p:sp>
+      <p:pic>
+        <p:nvPicPr>
+          <p:cNvPr id="13" name="图片 12" descr="oddball_dark"/>
+          <p:cNvPicPr>
+            <a:picLocks noChangeAspect="1"/>
+          </p:cNvPicPr>
+          <p:nvPr/>
+        </p:nvPicPr>
+        <p:blipFill>
+          <a:blip r:embed="rId1"/>
+          <a:stretch>
+            <a:fillRect/>
+          </a:stretch>
+        </p:blipFill>
+        <p:spPr>
+          <a:xfrm>
+            <a:off x="6104255" y="3091815"/>
+            <a:ext cx="3854450" cy="1121410"/>
+          </a:xfrm>
+          <a:prstGeom prst="rect">
+            <a:avLst/>
+          </a:prstGeom>
+        </p:spPr>
+      </p:pic>
+      <p:grpSp>
+        <p:nvGrpSpPr>
+          <p:cNvPr id="24" name="组合 23"/>
+          <p:cNvGrpSpPr/>
+          <p:nvPr/>
+        </p:nvGrpSpPr>
+        <p:grpSpPr>
+          <a:xfrm>
+            <a:off x="2204720" y="4779010"/>
+            <a:ext cx="3261360" cy="1833880"/>
+            <a:chOff x="2779" y="7710"/>
+            <a:chExt cx="5136" cy="2888"/>
+          </a:xfrm>
+        </p:grpSpPr>
+        <p:sp>
+          <p:nvSpPr>
+            <p:cNvPr id="14" name="矩形 13"/>
+            <p:cNvSpPr/>
+            <p:nvPr/>
+          </p:nvSpPr>
+          <p:spPr>
+            <a:xfrm>
+              <a:off x="4619" y="7710"/>
+              <a:ext cx="1054" cy="693"/>
+            </a:xfrm>
+            <a:prstGeom prst="rect">
+              <a:avLst/>
+            </a:prstGeom>
+            <a:solidFill>
+              <a:srgbClr val="70819E"/>
+            </a:solidFill>
+            <a:ln w="28575">
+              <a:solidFill>
+                <a:schemeClr val="bg2">
+                  <a:lumMod val="90000"/>
+                </a:schemeClr>
+              </a:solidFill>
+            </a:ln>
+          </p:spPr>
+          <p:style>
+            <a:lnRef idx="2">
+              <a:schemeClr val="accent1">
+                <a:shade val="50000"/>
+              </a:schemeClr>
+            </a:lnRef>
+            <a:fillRef idx="1">
+              <a:schemeClr val="accent1"/>
+            </a:fillRef>
+            <a:effectRef idx="0">
+              <a:schemeClr val="accent1"/>
+            </a:effectRef>
+            <a:fontRef idx="minor">
+              <a:schemeClr val="lt1"/>
+            </a:fontRef>
+          </p:style>
+          <p:txBody>
+            <a:bodyPr rtlCol="0" anchor="ctr"/>
+            <a:p>
+              <a:pPr algn="ctr"/>
+              <a:r>
+                <a:rPr lang="en-US" altLang="zh-CN" dirty="0"/>
+                <a:t>1</a:t>
+              </a:r>
+              <a:endParaRPr lang="en-US" altLang="zh-CN" dirty="0"/>
+            </a:p>
+          </p:txBody>
+        </p:sp>
+        <p:sp>
+          <p:nvSpPr>
+            <p:cNvPr id="15" name="矩形 14"/>
+            <p:cNvSpPr/>
+            <p:nvPr/>
+          </p:nvSpPr>
+          <p:spPr>
+            <a:xfrm>
+              <a:off x="5101" y="8259"/>
+              <a:ext cx="1054" cy="693"/>
+            </a:xfrm>
+            <a:prstGeom prst="rect">
+              <a:avLst/>
+            </a:prstGeom>
+            <a:solidFill>
+              <a:srgbClr val="70819E"/>
+            </a:solidFill>
+            <a:ln w="28575">
+              <a:solidFill>
+                <a:schemeClr val="bg2">
+                  <a:lumMod val="90000"/>
+                </a:schemeClr>
+              </a:solidFill>
+            </a:ln>
+          </p:spPr>
+          <p:style>
+            <a:lnRef idx="2">
+              <a:schemeClr val="accent1">
+                <a:shade val="50000"/>
+              </a:schemeClr>
+            </a:lnRef>
+            <a:fillRef idx="1">
+              <a:schemeClr val="accent1"/>
+            </a:fillRef>
+            <a:effectRef idx="0">
+              <a:schemeClr val="accent1"/>
+            </a:effectRef>
+            <a:fontRef idx="minor">
+              <a:schemeClr val="lt1"/>
+            </a:fontRef>
+          </p:style>
+          <p:txBody>
+            <a:bodyPr rtlCol="0" anchor="ctr"/>
+            <a:p>
+              <a:pPr algn="ctr"/>
+              <a:r>
+                <a:rPr lang="en-US" altLang="zh-CN" dirty="0"/>
+                <a:t>2</a:t>
+              </a:r>
+              <a:endParaRPr lang="en-US" altLang="zh-CN" dirty="0"/>
+            </a:p>
+          </p:txBody>
+        </p:sp>
+        <p:sp>
+          <p:nvSpPr>
+            <p:cNvPr id="16" name="矩形 15"/>
+            <p:cNvSpPr/>
+            <p:nvPr/>
+          </p:nvSpPr>
+          <p:spPr>
+            <a:xfrm>
+              <a:off x="5673" y="8808"/>
+              <a:ext cx="1054" cy="693"/>
+            </a:xfrm>
+            <a:prstGeom prst="rect">
+              <a:avLst/>
+            </a:prstGeom>
+            <a:solidFill>
+              <a:srgbClr val="70819E"/>
+            </a:solidFill>
+            <a:ln w="28575">
+              <a:solidFill>
+                <a:schemeClr val="bg2">
+                  <a:lumMod val="90000"/>
+                </a:schemeClr>
+              </a:solidFill>
+            </a:ln>
+          </p:spPr>
+          <p:style>
+            <a:lnRef idx="2">
+              <a:schemeClr val="accent1">
+                <a:shade val="50000"/>
+              </a:schemeClr>
+            </a:lnRef>
+            <a:fillRef idx="1">
+              <a:schemeClr val="accent1"/>
+            </a:fillRef>
+            <a:effectRef idx="0">
+              <a:schemeClr val="accent1"/>
+            </a:effectRef>
+            <a:fontRef idx="minor">
+              <a:schemeClr val="lt1"/>
+            </a:fontRef>
+          </p:style>
+          <p:txBody>
+            <a:bodyPr rtlCol="0" anchor="ctr"/>
+            <a:p>
+              <a:pPr algn="ctr"/>
+              <a:r>
+                <a:rPr lang="en-US" altLang="zh-CN" dirty="0"/>
+                <a:t>2</a:t>
+              </a:r>
+              <a:endParaRPr lang="en-US" altLang="zh-CN" dirty="0"/>
+            </a:p>
+          </p:txBody>
+        </p:sp>
+        <p:sp>
+          <p:nvSpPr>
+            <p:cNvPr id="17" name="矩形 16"/>
+            <p:cNvSpPr/>
+            <p:nvPr/>
+          </p:nvSpPr>
+          <p:spPr>
+            <a:xfrm>
+              <a:off x="6727" y="9906"/>
+              <a:ext cx="1054" cy="693"/>
+            </a:xfrm>
+            <a:prstGeom prst="rect">
+              <a:avLst/>
+            </a:prstGeom>
+            <a:solidFill>
+              <a:srgbClr val="70819E"/>
+            </a:solidFill>
+            <a:ln w="28575">
+              <a:solidFill>
+                <a:schemeClr val="bg2">
+                  <a:lumMod val="90000"/>
+                </a:schemeClr>
+              </a:solidFill>
+            </a:ln>
+          </p:spPr>
+          <p:style>
+            <a:lnRef idx="2">
+              <a:schemeClr val="accent1">
+                <a:shade val="50000"/>
+              </a:schemeClr>
+            </a:lnRef>
+            <a:fillRef idx="1">
+              <a:schemeClr val="accent1"/>
+            </a:fillRef>
+            <a:effectRef idx="0">
+              <a:schemeClr val="accent1"/>
+            </a:effectRef>
+            <a:fontRef idx="minor">
+              <a:schemeClr val="lt1"/>
+            </a:fontRef>
+          </p:style>
+          <p:txBody>
+            <a:bodyPr rtlCol="0" anchor="ctr"/>
+            <a:p>
+              <a:pPr algn="ctr"/>
+              <a:r>
+                <a:rPr lang="en-US" altLang="zh-CN" dirty="0"/>
+                <a:t>3</a:t>
+              </a:r>
+              <a:endParaRPr lang="en-US" altLang="zh-CN" dirty="0"/>
+            </a:p>
+          </p:txBody>
+        </p:sp>
+        <p:sp>
+          <p:nvSpPr>
+            <p:cNvPr id="18" name="文本框 17"/>
+            <p:cNvSpPr txBox="1"/>
+            <p:nvPr/>
+          </p:nvSpPr>
+          <p:spPr>
+            <a:xfrm rot="2460000">
+              <a:off x="6267" y="9439"/>
+              <a:ext cx="639" cy="580"/>
+            </a:xfrm>
+            <a:prstGeom prst="rect">
+              <a:avLst/>
+            </a:prstGeom>
+            <a:noFill/>
+          </p:spPr>
+          <p:txBody>
+            <a:bodyPr wrap="square" rtlCol="0">
+              <a:spAutoFit/>
+            </a:bodyPr>
+            <a:p>
+              <a:r>
+                <a:rPr lang="en-US" altLang="zh-CN">
+                  <a:solidFill>
+                    <a:schemeClr val="bg2"/>
+                  </a:solidFill>
+                </a:rPr>
+                <a:t>...</a:t>
+              </a:r>
+              <a:endParaRPr lang="en-US" altLang="zh-CN">
+                <a:solidFill>
+                  <a:schemeClr val="bg2"/>
+                </a:solidFill>
+              </a:endParaRPr>
+            </a:p>
+          </p:txBody>
+        </p:sp>
+        <p:cxnSp>
+          <p:nvCxnSpPr>
+            <p:cNvPr id="19" name="直接箭头连接符 18"/>
+            <p:cNvCxnSpPr/>
+            <p:nvPr/>
+          </p:nvCxnSpPr>
+          <p:spPr>
+            <a:xfrm>
+              <a:off x="6065" y="7893"/>
+              <a:ext cx="1850" cy="1944"/>
+            </a:xfrm>
+            <a:prstGeom prst="straightConnector1">
+              <a:avLst/>
+            </a:prstGeom>
+            <a:ln w="25400">
+              <a:solidFill>
+                <a:schemeClr val="bg1"/>
+              </a:solidFill>
+              <a:tailEnd type="triangle" w="med" len="lg"/>
+            </a:ln>
+          </p:spPr>
+          <p:style>
+            <a:lnRef idx="1">
+              <a:schemeClr val="accent1"/>
+            </a:lnRef>
+            <a:fillRef idx="0">
+              <a:schemeClr val="accent1"/>
+            </a:fillRef>
+            <a:effectRef idx="0">
+              <a:schemeClr val="accent1"/>
+            </a:effectRef>
+            <a:fontRef idx="minor">
+              <a:schemeClr val="tx1"/>
+            </a:fontRef>
+          </p:style>
+        </p:cxnSp>
+        <p:sp>
+          <p:nvSpPr>
+            <p:cNvPr id="20" name="文本框 19"/>
+            <p:cNvSpPr txBox="1"/>
+            <p:nvPr/>
+          </p:nvSpPr>
+          <p:spPr>
+            <a:xfrm rot="2760000">
+              <a:off x="6597" y="8473"/>
+              <a:ext cx="1492" cy="580"/>
+            </a:xfrm>
+            <a:prstGeom prst="rect">
+              <a:avLst/>
+            </a:prstGeom>
+            <a:noFill/>
+          </p:spPr>
+          <p:txBody>
+            <a:bodyPr wrap="square" rtlCol="0">
+              <a:spAutoFit/>
+            </a:bodyPr>
+            <a:p>
+              <a:r>
+                <a:rPr lang="en-US" altLang="zh-CN">
+                  <a:solidFill>
+                    <a:schemeClr val="bg2"/>
+                  </a:solidFill>
+                </a:rPr>
+                <a:t>Time</a:t>
+              </a:r>
+              <a:endParaRPr lang="en-US" altLang="zh-CN">
+                <a:solidFill>
+                  <a:schemeClr val="bg2"/>
+                </a:solidFill>
+              </a:endParaRPr>
+            </a:p>
+          </p:txBody>
+        </p:sp>
+        <p:sp>
+          <p:nvSpPr>
+            <p:cNvPr id="21" name="文本框 20"/>
+            <p:cNvSpPr txBox="1"/>
+            <p:nvPr/>
+          </p:nvSpPr>
+          <p:spPr>
+            <a:xfrm>
+              <a:off x="2779" y="9423"/>
+              <a:ext cx="1840" cy="483"/>
+            </a:xfrm>
+            <a:prstGeom prst="rect">
+              <a:avLst/>
+            </a:prstGeom>
+            <a:noFill/>
+          </p:spPr>
+          <p:txBody>
+            <a:bodyPr wrap="square" rtlCol="0">
+              <a:spAutoFit/>
+            </a:bodyPr>
+            <a:p>
+              <a:r>
+                <a:rPr lang="en-US" altLang="zh-CN" sz="1400">
+                  <a:solidFill>
+                    <a:schemeClr val="bg1"/>
+                  </a:solidFill>
+                </a:rPr>
+                <a:t>Press Button</a:t>
+              </a:r>
+              <a:endParaRPr lang="en-US" altLang="zh-CN" sz="1400">
+                <a:solidFill>
+                  <a:schemeClr val="bg1"/>
+                </a:solidFill>
+              </a:endParaRPr>
+            </a:p>
+          </p:txBody>
+        </p:sp>
+        <p:cxnSp>
+          <p:nvCxnSpPr>
+            <p:cNvPr id="23" name="直接箭头连接符 22"/>
+            <p:cNvCxnSpPr/>
+            <p:nvPr/>
+          </p:nvCxnSpPr>
+          <p:spPr>
+            <a:xfrm flipV="1">
+              <a:off x="4495" y="9406"/>
+              <a:ext cx="1053" cy="283"/>
+            </a:xfrm>
+            <a:prstGeom prst="straightConnector1">
+              <a:avLst/>
+            </a:prstGeom>
+            <a:ln w="25400">
+              <a:solidFill>
+                <a:schemeClr val="bg1"/>
+              </a:solidFill>
+              <a:tailEnd type="triangle" w="med" len="lg"/>
+            </a:ln>
+          </p:spPr>
+          <p:style>
+            <a:lnRef idx="1">
+              <a:schemeClr val="accent1"/>
+            </a:lnRef>
+            <a:fillRef idx="0">
+              <a:schemeClr val="accent1"/>
+            </a:fillRef>
+            <a:effectRef idx="0">
+              <a:schemeClr val="accent1"/>
+            </a:effectRef>
+            <a:fontRef idx="minor">
+              <a:schemeClr val="tx1"/>
+            </a:fontRef>
+          </p:style>
+        </p:cxnSp>
+      </p:grpSp>
     </p:spTree>
   </p:cSld>
   <p:clrMapOvr>
@@ -6878,28 +7709,6 @@
           </a:p>
         </p:txBody>
       </p:sp>
-      <p:sp>
-        <p:nvSpPr>
-          <p:cNvPr id="3" name="内容占位符 2"/>
-          <p:cNvSpPr>
-            <a:spLocks noGrp="1"/>
-          </p:cNvSpPr>
-          <p:nvPr>
-            <p:ph idx="1"/>
-          </p:nvPr>
-        </p:nvSpPr>
-        <p:spPr/>
-        <p:txBody>
-          <a:bodyPr/>
-          <a:p>
-            <a:r>
-              <a:rPr lang="en-US" altLang="zh-CN"/>
-              <a:t>A</a:t>
-            </a:r>
-            <a:endParaRPr lang="en-US" altLang="zh-CN"/>
-          </a:p>
-        </p:txBody>
-      </p:sp>
       <p:pic>
         <p:nvPicPr>
           <p:cNvPr id="4" name="图片 3" descr="pipeline_dark"/>
@@ -6916,8 +7725,8 @@
         </p:blipFill>
         <p:spPr>
           <a:xfrm>
-            <a:off x="1781175" y="2918460"/>
-            <a:ext cx="8629650" cy="2921000"/>
+            <a:off x="836930" y="1868170"/>
+            <a:ext cx="10454005" cy="3538855"/>
           </a:xfrm>
           <a:prstGeom prst="rect">
             <a:avLst/>
@@ -6957,31 +7766,102 @@
           <a:bodyPr/>
           <a:p>
             <a:r>
-              <a:rPr lang="en-US" altLang="zh-CN"/>
-              <a:t>Experiment</a:t>
+              <a:rPr lang="en-US" altLang="zh-CN">
+                <a:sym typeface="+mn-ea"/>
+              </a:rPr>
+              <a:t>Methods: Feature Extracion</a:t>
             </a:r>
             <a:endParaRPr lang="en-US" altLang="zh-CN"/>
           </a:p>
         </p:txBody>
       </p:sp>
-      <p:sp>
-        <p:nvSpPr>
-          <p:cNvPr id="3" name="内容占位符 2"/>
-          <p:cNvSpPr>
-            <a:spLocks noGrp="1"/>
-          </p:cNvSpPr>
-          <p:nvPr>
-            <p:ph idx="1"/>
-          </p:nvPr>
-        </p:nvSpPr>
-        <p:spPr/>
-        <p:txBody>
-          <a:bodyPr/>
-          <a:p>
-            <a:endParaRPr lang="zh-CN" altLang="en-US"/>
-          </a:p>
-        </p:txBody>
-      </p:sp>
+      <p:pic>
+        <p:nvPicPr>
+          <p:cNvPr id="5" name="图片 4" descr="feature_dark"/>
+          <p:cNvPicPr>
+            <a:picLocks noChangeAspect="1"/>
+          </p:cNvPicPr>
+          <p:nvPr/>
+        </p:nvPicPr>
+        <p:blipFill>
+          <a:blip r:embed="rId1"/>
+          <a:srcRect t="10164"/>
+          <a:stretch>
+            <a:fillRect/>
+          </a:stretch>
+        </p:blipFill>
+        <p:spPr>
+          <a:xfrm>
+            <a:off x="676275" y="933450"/>
+            <a:ext cx="9364345" cy="2637790"/>
+          </a:xfrm>
+          <a:prstGeom prst="rect">
+            <a:avLst/>
+          </a:prstGeom>
+        </p:spPr>
+      </p:pic>
+      <p:pic>
+        <p:nvPicPr>
+          <p:cNvPr id="6" name="图片 5" descr="feature2_dark"/>
+          <p:cNvPicPr>
+            <a:picLocks noChangeAspect="1"/>
+          </p:cNvPicPr>
+          <p:nvPr/>
+        </p:nvPicPr>
+        <p:blipFill>
+          <a:blip r:embed="rId2"/>
+          <a:stretch>
+            <a:fillRect/>
+          </a:stretch>
+        </p:blipFill>
+        <p:spPr>
+          <a:xfrm>
+            <a:off x="676275" y="4464685"/>
+            <a:ext cx="9154160" cy="2393315"/>
+          </a:xfrm>
+          <a:prstGeom prst="rect">
+            <a:avLst/>
+          </a:prstGeom>
+        </p:spPr>
+      </p:pic>
+      <p:pic>
+        <p:nvPicPr>
+          <p:cNvPr id="8" name="图片 7"/>
+          <p:cNvPicPr>
+            <a:picLocks noChangeAspect="1"/>
+          </p:cNvPicPr>
+          <p:nvPr/>
+        </p:nvPicPr>
+        <p:blipFill>
+          <a:blip r:embed="rId3">
+            <a:clrChange>
+              <a:clrFrom>
+                <a:srgbClr val="0D1117">
+                  <a:alpha val="100000"/>
+                </a:srgbClr>
+              </a:clrFrom>
+              <a:clrTo>
+                <a:srgbClr val="0D1117">
+                  <a:alpha val="100000"/>
+                  <a:alpha val="0"/>
+                </a:srgbClr>
+              </a:clrTo>
+            </a:clrChange>
+          </a:blip>
+          <a:stretch>
+            <a:fillRect/>
+          </a:stretch>
+        </p:blipFill>
+        <p:spPr>
+          <a:xfrm>
+            <a:off x="831215" y="3571240"/>
+            <a:ext cx="7840980" cy="972185"/>
+          </a:xfrm>
+          <a:prstGeom prst="rect">
+            <a:avLst/>
+          </a:prstGeom>
+        </p:spPr>
+      </p:pic>
     </p:spTree>
   </p:cSld>
   <p:clrMapOvr>
@@ -7016,7 +7896,7 @@
           <a:p>
             <a:r>
               <a:rPr lang="en-US" altLang="zh-CN"/>
-              <a:t>Results</a:t>
+              <a:t>Experiment Results</a:t>
             </a:r>
             <a:endParaRPr lang="en-US" altLang="zh-CN"/>
           </a:p>
@@ -7024,19 +7904,665 @@
       </p:sp>
       <p:sp>
         <p:nvSpPr>
-          <p:cNvPr id="3" name="内容占位符 2"/>
-          <p:cNvSpPr>
-            <a:spLocks noGrp="1"/>
-          </p:cNvSpPr>
-          <p:nvPr>
-            <p:ph idx="1"/>
-          </p:nvPr>
-        </p:nvSpPr>
-        <p:spPr/>
-        <p:txBody>
-          <a:bodyPr/>
-          <a:p>
-            <a:endParaRPr lang="zh-CN" altLang="en-US"/>
+          <p:cNvPr id="7" name="文本框 6"/>
+          <p:cNvSpPr txBox="1"/>
+          <p:nvPr/>
+        </p:nvSpPr>
+        <p:spPr>
+          <a:xfrm>
+            <a:off x="324485" y="1057275"/>
+            <a:ext cx="5080000" cy="398780"/>
+          </a:xfrm>
+          <a:prstGeom prst="rect">
+            <a:avLst/>
+          </a:prstGeom>
+        </p:spPr>
+        <p:txBody>
+          <a:bodyPr>
+            <a:spAutoFit/>
+          </a:bodyPr>
+          <a:p>
+            <a:pPr>
+              <a:spcAft>
+                <a:spcPct val="60000"/>
+              </a:spcAft>
+            </a:pPr>
+            <a:r>
+              <a:rPr lang="en-US" altLang="zh-CN" sz="2000" b="1">
+                <a:solidFill>
+                  <a:schemeClr val="bg1"/>
+                </a:solidFill>
+              </a:rPr>
+              <a:t>Performance Metrics:</a:t>
+            </a:r>
+            <a:endParaRPr lang="en-US" altLang="zh-CN" sz="2000" b="1">
+              <a:solidFill>
+                <a:schemeClr val="bg1"/>
+              </a:solidFill>
+            </a:endParaRPr>
+          </a:p>
+        </p:txBody>
+      </p:sp>
+      <p:graphicFrame>
+        <p:nvGraphicFramePr>
+          <p:cNvPr id="8" name="表格 7"/>
+          <p:cNvGraphicFramePr/>
+          <p:nvPr/>
+        </p:nvGraphicFramePr>
+        <p:xfrm>
+          <a:off x="368300" y="1721485"/>
+          <a:ext cx="10485120" cy="2160270"/>
+        </p:xfrm>
+        <a:graphic>
+          <a:graphicData uri="http://schemas.openxmlformats.org/drawingml/2006/table">
+            <a:tbl>
+              <a:tblPr/>
+              <a:tblGrid>
+                <a:gridCol w="3495040"/>
+                <a:gridCol w="3495040"/>
+                <a:gridCol w="3495040"/>
+              </a:tblGrid>
+              <a:tr h="540000">
+                <a:tc>
+                  <a:txBody>
+                    <a:bodyPr/>
+                    <a:p>
+                      <a:pPr algn="ctr"/>
+                      <a:r>
+                        <a:rPr lang="en-US" altLang="zh-CN" sz="2000" b="1">
+                          <a:solidFill>
+                            <a:schemeClr val="bg1"/>
+                          </a:solidFill>
+                        </a:rPr>
+                        <a:t>Metric</a:t>
+                      </a:r>
+                      <a:endParaRPr lang="en-US" altLang="zh-CN" sz="2000" b="1">
+                        <a:solidFill>
+                          <a:schemeClr val="bg1"/>
+                        </a:solidFill>
+                      </a:endParaRPr>
+                    </a:p>
+                  </a:txBody>
+                  <a:tcPr marL="0" marR="0" marT="0" marB="0" anchor="ctr" anchorCtr="0">
+                    <a:lnL>
+                      <a:noFill/>
+                    </a:lnL>
+                    <a:lnR w="19050">
+                      <a:solidFill>
+                        <a:schemeClr val="bg1"/>
+                      </a:solidFill>
+                      <a:prstDash val="solid"/>
+                    </a:lnR>
+                    <a:lnT>
+                      <a:noFill/>
+                    </a:lnT>
+                    <a:lnB w="19050">
+                      <a:solidFill>
+                        <a:schemeClr val="bg1"/>
+                      </a:solidFill>
+                      <a:prstDash val="solid"/>
+                    </a:lnB>
+                    <a:noFill/>
+                  </a:tcPr>
+                </a:tc>
+                <a:tc>
+                  <a:txBody>
+                    <a:bodyPr/>
+                    <a:p>
+                      <a:pPr algn="ctr"/>
+                      <a:r>
+                        <a:rPr lang="en-US" altLang="zh-CN" sz="2000" b="1">
+                          <a:solidFill>
+                            <a:schemeClr val="bg1"/>
+                          </a:solidFill>
+                        </a:rPr>
+                        <a:t>ExtraTree</a:t>
+                      </a:r>
+                      <a:endParaRPr lang="en-US" altLang="zh-CN" sz="2000" b="1">
+                        <a:solidFill>
+                          <a:schemeClr val="bg1"/>
+                        </a:solidFill>
+                      </a:endParaRPr>
+                    </a:p>
+                  </a:txBody>
+                  <a:tcPr marL="0" marR="0" marT="0" marB="0" anchor="ctr" anchorCtr="0">
+                    <a:lnL w="19050">
+                      <a:solidFill>
+                        <a:schemeClr val="bg1"/>
+                      </a:solidFill>
+                      <a:prstDash val="solid"/>
+                    </a:lnL>
+                    <a:lnR w="19050">
+                      <a:solidFill>
+                        <a:schemeClr val="bg1"/>
+                      </a:solidFill>
+                      <a:prstDash val="solid"/>
+                    </a:lnR>
+                    <a:lnT>
+                      <a:noFill/>
+                    </a:lnT>
+                    <a:lnB w="19050">
+                      <a:solidFill>
+                        <a:schemeClr val="bg1"/>
+                      </a:solidFill>
+                      <a:prstDash val="solid"/>
+                    </a:lnB>
+                    <a:noFill/>
+                  </a:tcPr>
+                </a:tc>
+                <a:tc>
+                  <a:txBody>
+                    <a:bodyPr/>
+                    <a:p>
+                      <a:pPr algn="ctr"/>
+                      <a:r>
+                        <a:rPr lang="en-US" altLang="zh-CN" sz="2000" b="1">
+                          <a:solidFill>
+                            <a:schemeClr val="bg1"/>
+                          </a:solidFill>
+                        </a:rPr>
+                        <a:t>MLP</a:t>
+                      </a:r>
+                      <a:endParaRPr lang="en-US" altLang="zh-CN" sz="2000" b="1">
+                        <a:solidFill>
+                          <a:schemeClr val="bg1"/>
+                        </a:solidFill>
+                      </a:endParaRPr>
+                    </a:p>
+                  </a:txBody>
+                  <a:tcPr marL="0" marR="0" marT="0" marB="0" anchor="ctr" anchorCtr="0">
+                    <a:lnL w="19050">
+                      <a:solidFill>
+                        <a:schemeClr val="bg1"/>
+                      </a:solidFill>
+                      <a:prstDash val="solid"/>
+                    </a:lnL>
+                    <a:lnR>
+                      <a:noFill/>
+                    </a:lnR>
+                    <a:lnT>
+                      <a:noFill/>
+                    </a:lnT>
+                    <a:lnB w="19050">
+                      <a:solidFill>
+                        <a:schemeClr val="bg1"/>
+                      </a:solidFill>
+                      <a:prstDash val="solid"/>
+                    </a:lnB>
+                    <a:noFill/>
+                  </a:tcPr>
+                </a:tc>
+              </a:tr>
+              <a:tr h="540000">
+                <a:tc>
+                  <a:txBody>
+                    <a:bodyPr/>
+                    <a:p>
+                      <a:pPr algn="ctr"/>
+                      <a:r>
+                        <a:rPr lang="en-US" altLang="zh-CN" sz="2000" b="1">
+                          <a:solidFill>
+                            <a:schemeClr val="bg1"/>
+                          </a:solidFill>
+                        </a:rPr>
+                        <a:t>Accuracy</a:t>
+                      </a:r>
+                      <a:endParaRPr lang="en-US" altLang="zh-CN" sz="2000" b="1">
+                        <a:solidFill>
+                          <a:schemeClr val="bg1"/>
+                        </a:solidFill>
+                      </a:endParaRPr>
+                    </a:p>
+                  </a:txBody>
+                  <a:tcPr marL="0" marR="0" marT="0" marB="0" anchor="ctr" anchorCtr="0">
+                    <a:lnL>
+                      <a:noFill/>
+                    </a:lnL>
+                    <a:lnR w="19050">
+                      <a:solidFill>
+                        <a:schemeClr val="bg1"/>
+                      </a:solidFill>
+                      <a:prstDash val="solid"/>
+                    </a:lnR>
+                    <a:lnT w="19050">
+                      <a:solidFill>
+                        <a:schemeClr val="bg1"/>
+                      </a:solidFill>
+                      <a:prstDash val="solid"/>
+                    </a:lnT>
+                    <a:lnB>
+                      <a:noFill/>
+                    </a:lnB>
+                    <a:noFill/>
+                  </a:tcPr>
+                </a:tc>
+                <a:tc>
+                  <a:txBody>
+                    <a:bodyPr/>
+                    <a:p>
+                      <a:pPr algn="ctr"/>
+                      <a:r>
+                        <a:rPr lang="en-US" altLang="zh-CN" sz="2000">
+                          <a:solidFill>
+                            <a:schemeClr val="bg1"/>
+                          </a:solidFill>
+                        </a:rPr>
+                        <a:t>0.79</a:t>
+                      </a:r>
+                      <a:endParaRPr lang="en-US" altLang="zh-CN" sz="2000">
+                        <a:solidFill>
+                          <a:schemeClr val="bg1"/>
+                        </a:solidFill>
+                      </a:endParaRPr>
+                    </a:p>
+                  </a:txBody>
+                  <a:tcPr marL="0" marR="0" marT="0" marB="0" anchor="ctr" anchorCtr="0">
+                    <a:lnL w="19050">
+                      <a:solidFill>
+                        <a:schemeClr val="bg1"/>
+                      </a:solidFill>
+                      <a:prstDash val="solid"/>
+                    </a:lnL>
+                    <a:lnR w="19050">
+                      <a:solidFill>
+                        <a:schemeClr val="bg1"/>
+                      </a:solidFill>
+                      <a:prstDash val="solid"/>
+                    </a:lnR>
+                    <a:lnT w="19050">
+                      <a:solidFill>
+                        <a:schemeClr val="bg1"/>
+                      </a:solidFill>
+                      <a:prstDash val="solid"/>
+                    </a:lnT>
+                    <a:lnB>
+                      <a:noFill/>
+                    </a:lnB>
+                    <a:noFill/>
+                  </a:tcPr>
+                </a:tc>
+                <a:tc>
+                  <a:txBody>
+                    <a:bodyPr/>
+                    <a:p>
+                      <a:pPr algn="ctr"/>
+                      <a:r>
+                        <a:rPr lang="en-US" altLang="zh-CN" sz="2000">
+                          <a:solidFill>
+                            <a:schemeClr val="bg1"/>
+                          </a:solidFill>
+                        </a:rPr>
+                        <a:t>0.83</a:t>
+                      </a:r>
+                      <a:endParaRPr lang="en-US" altLang="zh-CN" sz="2000">
+                        <a:solidFill>
+                          <a:schemeClr val="bg1"/>
+                        </a:solidFill>
+                      </a:endParaRPr>
+                    </a:p>
+                  </a:txBody>
+                  <a:tcPr marL="0" marR="0" marT="0" marB="0" anchor="ctr" anchorCtr="0">
+                    <a:lnL w="19050">
+                      <a:solidFill>
+                        <a:schemeClr val="bg1"/>
+                      </a:solidFill>
+                      <a:prstDash val="solid"/>
+                    </a:lnL>
+                    <a:lnR>
+                      <a:noFill/>
+                    </a:lnR>
+                    <a:lnT w="19050">
+                      <a:solidFill>
+                        <a:schemeClr val="bg1"/>
+                      </a:solidFill>
+                      <a:prstDash val="solid"/>
+                    </a:lnT>
+                    <a:lnB>
+                      <a:noFill/>
+                    </a:lnB>
+                    <a:noFill/>
+                  </a:tcPr>
+                </a:tc>
+              </a:tr>
+              <a:tr h="540000">
+                <a:tc>
+                  <a:txBody>
+                    <a:bodyPr/>
+                    <a:p>
+                      <a:pPr algn="ctr"/>
+                      <a:r>
+                        <a:rPr lang="en-US" altLang="zh-CN" sz="2000" b="1">
+                          <a:solidFill>
+                            <a:schemeClr val="bg1"/>
+                          </a:solidFill>
+                        </a:rPr>
+                        <a:t>Macro Avg F1</a:t>
+                      </a:r>
+                      <a:endParaRPr lang="en-US" altLang="zh-CN" sz="2000" b="1">
+                        <a:solidFill>
+                          <a:schemeClr val="bg1"/>
+                        </a:solidFill>
+                      </a:endParaRPr>
+                    </a:p>
+                  </a:txBody>
+                  <a:tcPr marL="0" marR="0" marT="0" marB="0" anchor="ctr" anchorCtr="0">
+                    <a:lnL>
+                      <a:noFill/>
+                    </a:lnL>
+                    <a:lnR w="19050">
+                      <a:solidFill>
+                        <a:schemeClr val="bg1"/>
+                      </a:solidFill>
+                      <a:prstDash val="solid"/>
+                    </a:lnR>
+                    <a:lnT>
+                      <a:noFill/>
+                    </a:lnT>
+                    <a:lnB>
+                      <a:noFill/>
+                    </a:lnB>
+                    <a:noFill/>
+                  </a:tcPr>
+                </a:tc>
+                <a:tc>
+                  <a:txBody>
+                    <a:bodyPr/>
+                    <a:p>
+                      <a:pPr algn="ctr"/>
+                      <a:r>
+                        <a:rPr lang="en-US" altLang="zh-CN" sz="2000">
+                          <a:solidFill>
+                            <a:schemeClr val="bg1"/>
+                          </a:solidFill>
+                        </a:rPr>
+                        <a:t>0.80</a:t>
+                      </a:r>
+                      <a:endParaRPr lang="en-US" altLang="zh-CN" sz="2000">
+                        <a:solidFill>
+                          <a:schemeClr val="bg1"/>
+                        </a:solidFill>
+                      </a:endParaRPr>
+                    </a:p>
+                  </a:txBody>
+                  <a:tcPr marL="0" marR="0" marT="0" marB="0" anchor="ctr" anchorCtr="0">
+                    <a:lnL w="19050">
+                      <a:solidFill>
+                        <a:schemeClr val="bg1"/>
+                      </a:solidFill>
+                      <a:prstDash val="solid"/>
+                    </a:lnL>
+                    <a:lnR w="19050">
+                      <a:solidFill>
+                        <a:schemeClr val="bg1"/>
+                      </a:solidFill>
+                      <a:prstDash val="solid"/>
+                    </a:lnR>
+                    <a:lnT>
+                      <a:noFill/>
+                    </a:lnT>
+                    <a:lnB>
+                      <a:noFill/>
+                    </a:lnB>
+                    <a:noFill/>
+                  </a:tcPr>
+                </a:tc>
+                <a:tc>
+                  <a:txBody>
+                    <a:bodyPr/>
+                    <a:p>
+                      <a:pPr algn="ctr"/>
+                      <a:r>
+                        <a:rPr lang="en-US" altLang="zh-CN" sz="2000">
+                          <a:solidFill>
+                            <a:schemeClr val="bg1"/>
+                          </a:solidFill>
+                        </a:rPr>
+                        <a:t>0.83</a:t>
+                      </a:r>
+                      <a:endParaRPr lang="en-US" altLang="zh-CN" sz="2000">
+                        <a:solidFill>
+                          <a:schemeClr val="bg1"/>
+                        </a:solidFill>
+                      </a:endParaRPr>
+                    </a:p>
+                  </a:txBody>
+                  <a:tcPr marL="0" marR="0" marT="0" marB="0" anchor="ctr" anchorCtr="0">
+                    <a:lnL w="19050">
+                      <a:solidFill>
+                        <a:schemeClr val="bg1"/>
+                      </a:solidFill>
+                      <a:prstDash val="solid"/>
+                    </a:lnL>
+                    <a:lnR>
+                      <a:noFill/>
+                    </a:lnR>
+                    <a:lnT>
+                      <a:noFill/>
+                    </a:lnT>
+                    <a:lnB>
+                      <a:noFill/>
+                    </a:lnB>
+                    <a:noFill/>
+                  </a:tcPr>
+                </a:tc>
+              </a:tr>
+              <a:tr h="540000">
+                <a:tc>
+                  <a:txBody>
+                    <a:bodyPr/>
+                    <a:p>
+                      <a:pPr algn="ctr"/>
+                      <a:r>
+                        <a:rPr lang="en-US" altLang="zh-CN" sz="2000" b="1">
+                          <a:solidFill>
+                            <a:schemeClr val="bg1"/>
+                          </a:solidFill>
+                        </a:rPr>
+                        <a:t>Weighted Avg F1</a:t>
+                      </a:r>
+                      <a:endParaRPr lang="en-US" altLang="zh-CN" sz="2000" b="1">
+                        <a:solidFill>
+                          <a:schemeClr val="bg1"/>
+                        </a:solidFill>
+                      </a:endParaRPr>
+                    </a:p>
+                  </a:txBody>
+                  <a:tcPr marL="0" marR="0" marT="0" marB="0" anchor="ctr" anchorCtr="0">
+                    <a:lnL>
+                      <a:noFill/>
+                    </a:lnL>
+                    <a:lnR w="19050">
+                      <a:solidFill>
+                        <a:schemeClr val="bg1"/>
+                      </a:solidFill>
+                      <a:prstDash val="solid"/>
+                    </a:lnR>
+                    <a:lnT>
+                      <a:noFill/>
+                    </a:lnT>
+                    <a:lnB>
+                      <a:noFill/>
+                    </a:lnB>
+                    <a:noFill/>
+                  </a:tcPr>
+                </a:tc>
+                <a:tc>
+                  <a:txBody>
+                    <a:bodyPr/>
+                    <a:p>
+                      <a:pPr algn="ctr"/>
+                      <a:r>
+                        <a:rPr lang="en-US" altLang="zh-CN" sz="2000">
+                          <a:solidFill>
+                            <a:schemeClr val="bg1"/>
+                          </a:solidFill>
+                        </a:rPr>
+                        <a:t>0.79</a:t>
+                      </a:r>
+                      <a:endParaRPr lang="en-US" altLang="zh-CN" sz="2000">
+                        <a:solidFill>
+                          <a:schemeClr val="bg1"/>
+                        </a:solidFill>
+                      </a:endParaRPr>
+                    </a:p>
+                  </a:txBody>
+                  <a:tcPr marL="0" marR="0" marT="0" marB="0" anchor="ctr" anchorCtr="0">
+                    <a:lnL w="19050">
+                      <a:solidFill>
+                        <a:schemeClr val="bg1"/>
+                      </a:solidFill>
+                      <a:prstDash val="solid"/>
+                    </a:lnL>
+                    <a:lnR w="19050">
+                      <a:solidFill>
+                        <a:schemeClr val="bg1"/>
+                      </a:solidFill>
+                      <a:prstDash val="solid"/>
+                    </a:lnR>
+                    <a:lnT>
+                      <a:noFill/>
+                    </a:lnT>
+                    <a:lnB>
+                      <a:noFill/>
+                    </a:lnB>
+                    <a:noFill/>
+                  </a:tcPr>
+                </a:tc>
+                <a:tc>
+                  <a:txBody>
+                    <a:bodyPr/>
+                    <a:p>
+                      <a:pPr algn="ctr"/>
+                      <a:r>
+                        <a:rPr lang="en-US" altLang="zh-CN" sz="2000">
+                          <a:solidFill>
+                            <a:schemeClr val="bg1"/>
+                          </a:solidFill>
+                        </a:rPr>
+                        <a:t>0.83</a:t>
+                      </a:r>
+                      <a:endParaRPr lang="en-US" altLang="zh-CN" sz="2000">
+                        <a:solidFill>
+                          <a:schemeClr val="bg1"/>
+                        </a:solidFill>
+                      </a:endParaRPr>
+                    </a:p>
+                  </a:txBody>
+                  <a:tcPr marL="0" marR="0" marT="0" marB="0" anchor="ctr" anchorCtr="0">
+                    <a:lnL w="19050">
+                      <a:solidFill>
+                        <a:schemeClr val="bg1"/>
+                      </a:solidFill>
+                      <a:prstDash val="solid"/>
+                    </a:lnL>
+                    <a:lnR>
+                      <a:noFill/>
+                    </a:lnR>
+                    <a:lnT>
+                      <a:noFill/>
+                    </a:lnT>
+                    <a:lnB>
+                      <a:noFill/>
+                    </a:lnB>
+                    <a:noFill/>
+                  </a:tcPr>
+                </a:tc>
+              </a:tr>
+            </a:tbl>
+          </a:graphicData>
+        </a:graphic>
+      </p:graphicFrame>
+      <p:sp>
+        <p:nvSpPr>
+          <p:cNvPr id="9" name="文本框 8"/>
+          <p:cNvSpPr txBox="1"/>
+          <p:nvPr/>
+        </p:nvSpPr>
+        <p:spPr>
+          <a:xfrm>
+            <a:off x="292100" y="4239895"/>
+            <a:ext cx="9042400" cy="1322070"/>
+          </a:xfrm>
+          <a:prstGeom prst="rect">
+            <a:avLst/>
+          </a:prstGeom>
+        </p:spPr>
+        <p:txBody>
+          <a:bodyPr wrap="square">
+            <a:spAutoFit/>
+          </a:bodyPr>
+          <a:p>
+            <a:r>
+              <a:rPr lang="en-US" altLang="zh-CN" sz="2000" b="1">
+                <a:solidFill>
+                  <a:schemeClr val="bg1"/>
+                </a:solidFill>
+              </a:rPr>
+              <a:t>Key Observations</a:t>
+            </a:r>
+            <a:endParaRPr lang="en-US" altLang="zh-CN" sz="2000" b="1">
+              <a:solidFill>
+                <a:schemeClr val="bg1"/>
+              </a:solidFill>
+            </a:endParaRPr>
+          </a:p>
+          <a:p>
+            <a:pPr marL="342900" indent="-342900">
+              <a:buFont typeface="Arial" panose="020B0604020202020204" pitchFamily="34" charset="0"/>
+              <a:buChar char="•"/>
+            </a:pPr>
+            <a:r>
+              <a:rPr lang="en-US" altLang="zh-CN" sz="2000">
+                <a:solidFill>
+                  <a:schemeClr val="bg1"/>
+                </a:solidFill>
+              </a:rPr>
+              <a:t>MLP performs slightly better in overall accuracy and F1 scores.</a:t>
+            </a:r>
+            <a:endParaRPr lang="en-US" altLang="zh-CN" sz="2000">
+              <a:solidFill>
+                <a:schemeClr val="bg1"/>
+              </a:solidFill>
+            </a:endParaRPr>
+          </a:p>
+          <a:p>
+            <a:pPr marL="342900" indent="-342900">
+              <a:buFont typeface="Arial" panose="020B0604020202020204" pitchFamily="34" charset="0"/>
+              <a:buChar char="•"/>
+            </a:pPr>
+            <a:r>
+              <a:rPr lang="en-US" altLang="zh-CN" sz="2000">
+                <a:solidFill>
+                  <a:schemeClr val="bg1"/>
+                </a:solidFill>
+                <a:sym typeface="+mn-ea"/>
+              </a:rPr>
+              <a:t>ExtraTree excels in precision for Class 0 but has lower recall for Class 2.</a:t>
+            </a:r>
+            <a:endParaRPr lang="en-US" altLang="zh-CN" sz="2000">
+              <a:solidFill>
+                <a:schemeClr val="bg1"/>
+              </a:solidFill>
+            </a:endParaRPr>
+          </a:p>
+          <a:p>
+            <a:pPr marL="342900" indent="-342900">
+              <a:buFont typeface="Arial" panose="020B0604020202020204" pitchFamily="34" charset="0"/>
+              <a:buChar char="•"/>
+            </a:pPr>
+            <a:r>
+              <a:rPr lang="en-US" altLang="zh-CN" sz="2000">
+                <a:solidFill>
+                  <a:schemeClr val="bg1"/>
+                </a:solidFill>
+              </a:rPr>
+              <a:t>MLP balances recall better across classes, leading to higher overall performance.</a:t>
+            </a:r>
+            <a:endParaRPr lang="en-US" altLang="zh-CN" sz="2000">
+              <a:solidFill>
+                <a:schemeClr val="bg1"/>
+              </a:solidFill>
+            </a:endParaRPr>
           </a:p>
         </p:txBody>
       </p:sp>

--- a/EEG_fNIRS/presentation/eeg_fnirs_ad_detection.pptx
+++ b/EEG_fNIRS/presentation/eeg_fnirs_ad_detection.pptx
@@ -515,17 +515,6 @@
         <p:txBody>
           <a:bodyPr/>
           <a:p>
-            <a:r>
-              <a:rPr lang="en-US" altLang="zh-CN"/>
-              <a:t>[1] "Dementia Fact sheet". World Health Organization. 15 March 2023. Retrieved 10 July 2023.</a:t>
-            </a:r>
-            <a:endParaRPr lang="en-US" altLang="zh-CN"/>
-          </a:p>
-          <a:p>
-            <a:r>
-              <a:rPr lang="en-US" altLang="zh-CN"/>
-              <a:t>[2] https://en.wikipedia.org/wiki/Alzheimer%27s_disease#cite_note-WHO2023-2</a:t>
-            </a:r>
             <a:endParaRPr lang="en-US" altLang="zh-CN"/>
           </a:p>
         </p:txBody>
@@ -576,6 +565,92 @@
           <a:p>
             <a:r>
               <a:rPr lang="en-US" altLang="zh-CN"/>
+              <a:t>Here are three basic types that we would like to classify:</a:t>
+            </a:r>
+            <a:endParaRPr lang="en-US" altLang="zh-CN"/>
+          </a:p>
+          <a:p>
+            <a:r>
+              <a:rPr lang="en-US" altLang="zh-CN"/>
+              <a:t>The first one is AD. These patients have been already diagnosed as Alzheimer’s Disease, and are somewhat severe</a:t>
+            </a:r>
+            <a:endParaRPr lang="en-US" altLang="zh-CN"/>
+          </a:p>
+          <a:p>
+            <a:r>
+              <a:rPr lang="en-US" altLang="zh-CN"/>
+              <a:t>MCI is the type that patients are losing their memory in a certain extent. This is the main type that is needed to detect clinically</a:t>
+            </a:r>
+            <a:endParaRPr lang="en-US" altLang="zh-CN"/>
+          </a:p>
+          <a:p>
+            <a:r>
+              <a:rPr lang="en-US" altLang="zh-CN"/>
+              <a:t>HC is the normal patients for comparison</a:t>
+            </a:r>
+            <a:endParaRPr lang="en-US" altLang="zh-CN"/>
+          </a:p>
+          <a:p>
+            <a:endParaRPr lang="en-US" altLang="zh-CN"/>
+          </a:p>
+          <a:p>
+            <a:r>
+              <a:rPr lang="en-US" altLang="zh-CN"/>
+              <a:t>In our project, we utilize a dataset of EEG and fNIRS signals from 144 participants with 63 HC, 46 MCI and 35 AD patients</a:t>
+            </a:r>
+            <a:endParaRPr lang="en-US" altLang="zh-CN"/>
+          </a:p>
+          <a:p>
+            <a:endParaRPr lang="en-US" altLang="zh-CN"/>
+          </a:p>
+        </p:txBody>
+      </p:sp>
+    </p:spTree>
+  </p:cSld>
+  <p:clrMapOvr>
+    <a:masterClrMapping/>
+  </p:clrMapOvr>
+</p:notes>
+</file>
+
+<file path=ppt/notesSlides/notesSlide3.xml><?xml version="1.0" encoding="utf-8"?>
+<p:notes xmlns:a="http://schemas.openxmlformats.org/drawingml/2006/main" xmlns:r="http://schemas.openxmlformats.org/officeDocument/2006/relationships" xmlns:p="http://schemas.openxmlformats.org/presentationml/2006/main">
+  <p:cSld>
+    <p:spTree>
+      <p:nvGrpSpPr>
+        <p:cNvPr id="1" name=""/>
+        <p:cNvGrpSpPr/>
+        <p:nvPr/>
+      </p:nvGrpSpPr>
+      <p:grpSpPr/>
+      <p:sp>
+        <p:nvSpPr>
+          <p:cNvPr id="2" name="幻灯片图像占位符 1"/>
+          <p:cNvSpPr>
+            <a:spLocks noGrp="1"/>
+          </p:cNvSpPr>
+          <p:nvPr>
+            <p:ph type="sldImg" idx="2"/>
+          </p:nvPr>
+        </p:nvSpPr>
+        <p:spPr/>
+      </p:sp>
+      <p:sp>
+        <p:nvSpPr>
+          <p:cNvPr id="3" name="文本占位符 2"/>
+          <p:cNvSpPr>
+            <a:spLocks noGrp="1"/>
+          </p:cNvSpPr>
+          <p:nvPr>
+            <p:ph type="body" idx="3"/>
+          </p:nvPr>
+        </p:nvSpPr>
+        <p:spPr/>
+        <p:txBody>
+          <a:bodyPr/>
+          <a:p>
+            <a:r>
+              <a:rPr lang="en-US" altLang="zh-CN"/>
               <a:t>"EEG, or electroencephalography, is a non-invasive method that records brain activity through electrodes placed on the scalp. It provides high temporal resolution, capturing rapid electrical signals in real-time. EEG is widely used in cognitive studies and measures different types of brainwaves such as Delta, Theta, and Gamma.</a:t>
             </a:r>
             <a:endParaRPr lang="en-US" altLang="zh-CN"/>
@@ -589,6 +664,243 @@
               <a:t>"fNIRS stands for Functional Near-Infrared Spectroscopy. It measures brain activity indirectly by tracking blood oxygenation levels using near-infrared light. This non-invasive and portable technology provides high spatial resolution and is less affected by motion compared to EEG."</a:t>
             </a:r>
             <a:endParaRPr lang="en-US" altLang="zh-CN"/>
+          </a:p>
+        </p:txBody>
+      </p:sp>
+    </p:spTree>
+  </p:cSld>
+  <p:clrMapOvr>
+    <a:masterClrMapping/>
+  </p:clrMapOvr>
+</p:notes>
+</file>
+
+<file path=ppt/notesSlides/notesSlide4.xml><?xml version="1.0" encoding="utf-8"?>
+<p:notes xmlns:a="http://schemas.openxmlformats.org/drawingml/2006/main" xmlns:r="http://schemas.openxmlformats.org/officeDocument/2006/relationships" xmlns:p="http://schemas.openxmlformats.org/presentationml/2006/main">
+  <p:cSld>
+    <p:spTree>
+      <p:nvGrpSpPr>
+        <p:cNvPr id="1" name=""/>
+        <p:cNvGrpSpPr/>
+        <p:nvPr/>
+      </p:nvGrpSpPr>
+      <p:grpSpPr/>
+      <p:sp>
+        <p:nvSpPr>
+          <p:cNvPr id="2" name="幻灯片图像占位符 1"/>
+          <p:cNvSpPr>
+            <a:spLocks noGrp="1"/>
+          </p:cNvSpPr>
+          <p:nvPr>
+            <p:ph type="sldImg" idx="2"/>
+          </p:nvPr>
+        </p:nvSpPr>
+        <p:spPr/>
+      </p:sp>
+      <p:sp>
+        <p:nvSpPr>
+          <p:cNvPr id="3" name="文本占位符 2"/>
+          <p:cNvSpPr>
+            <a:spLocks noGrp="1"/>
+          </p:cNvSpPr>
+          <p:nvPr>
+            <p:ph type="body" idx="3"/>
+          </p:nvPr>
+        </p:nvSpPr>
+        <p:spPr/>
+        <p:txBody>
+          <a:bodyPr/>
+          <a:p>
+            <a:r>
+              <a:rPr lang="en-US" altLang="zh-CN"/>
+              <a:t>Here is the pipeline of our classification:</a:t>
+            </a:r>
+            <a:endParaRPr lang="en-US" altLang="zh-CN"/>
+          </a:p>
+          <a:p>
+            <a:r>
+              <a:rPr lang="en-US" altLang="zh-CN"/>
+              <a:t>We begin by collecting EEG and fNIRS signals while participants perform four cognitive tasks. </a:t>
+            </a:r>
+            <a:endParaRPr lang="en-US" altLang="zh-CN"/>
+          </a:p>
+          <a:p>
+            <a:r>
+              <a:rPr lang="en-US" altLang="zh-CN"/>
+              <a:t>For EEG signals, we perform event-specific Power Spectral Density (PSD) feature extraction.</a:t>
+            </a:r>
+            <a:endParaRPr lang="en-US" altLang="zh-CN"/>
+          </a:p>
+          <a:p>
+            <a:r>
+              <a:rPr lang="en-US" altLang="zh-CN"/>
+              <a:t>For fNIRS signals, we apply event-specific time-domain feature extraction as well as PSD analysis. These steps capture the unique characteristics of both modalities during the tasks.</a:t>
+            </a:r>
+            <a:endParaRPr lang="en-US" altLang="zh-CN"/>
+          </a:p>
+          <a:p>
+            <a:endParaRPr lang="en-US" altLang="zh-CN"/>
+          </a:p>
+          <a:p>
+            <a:r>
+              <a:rPr lang="en-US" altLang="zh-CN"/>
+              <a:t>Using Recursive Feature Elimination with Cross-Validation (RFECV), we refine the extracted features to identify the most relevant ones for classification.</a:t>
+            </a:r>
+            <a:endParaRPr lang="en-US" altLang="zh-CN"/>
+          </a:p>
+          <a:p>
+            <a:r>
+              <a:rPr lang="en-US" altLang="zh-CN"/>
+              <a:t>This is done separately for EEG and fNIRS signals to ensure each modality contributes effectively.</a:t>
+            </a:r>
+            <a:endParaRPr lang="en-US" altLang="zh-CN"/>
+          </a:p>
+          <a:p>
+            <a:endParaRPr lang="en-US" altLang="zh-CN"/>
+          </a:p>
+          <a:p>
+            <a:r>
+              <a:rPr lang="en-US" altLang="zh-CN"/>
+              <a:t>After selecting task-specific features for each modality, we combine them into hybrid EEG-fNIRS features.</a:t>
+            </a:r>
+            <a:endParaRPr lang="en-US" altLang="zh-CN"/>
+          </a:p>
+          <a:p>
+            <a:r>
+              <a:rPr lang="en-US" altLang="zh-CN"/>
+              <a:t>RFECV is applied again to select the most discriminative features from the combined set.</a:t>
+            </a:r>
+            <a:endParaRPr lang="en-US" altLang="zh-CN"/>
+          </a:p>
+          <a:p>
+            <a:endParaRPr lang="en-US" altLang="zh-CN"/>
+          </a:p>
+          <a:p>
+            <a:r>
+              <a:rPr lang="en-US" altLang="zh-CN"/>
+              <a:t>Finally, we use an Extremely Randomized Trees classifier to categorize participants into three groups</a:t>
+            </a:r>
+            <a:endParaRPr lang="en-US" altLang="zh-CN"/>
+          </a:p>
+          <a:p>
+            <a:endParaRPr lang="en-US" altLang="zh-CN"/>
+          </a:p>
+          <a:p>
+            <a:endParaRPr lang="en-US" altLang="zh-CN"/>
+          </a:p>
+        </p:txBody>
+      </p:sp>
+    </p:spTree>
+  </p:cSld>
+  <p:clrMapOvr>
+    <a:masterClrMapping/>
+  </p:clrMapOvr>
+</p:notes>
+</file>
+
+<file path=ppt/notesSlides/notesSlide5.xml><?xml version="1.0" encoding="utf-8"?>
+<p:notes xmlns:a="http://schemas.openxmlformats.org/drawingml/2006/main" xmlns:r="http://schemas.openxmlformats.org/officeDocument/2006/relationships" xmlns:p="http://schemas.openxmlformats.org/presentationml/2006/main">
+  <p:cSld>
+    <p:spTree>
+      <p:nvGrpSpPr>
+        <p:cNvPr id="1" name=""/>
+        <p:cNvGrpSpPr/>
+        <p:nvPr/>
+      </p:nvGrpSpPr>
+      <p:grpSpPr/>
+      <p:sp>
+        <p:nvSpPr>
+          <p:cNvPr id="2" name="幻灯片图像占位符 1"/>
+          <p:cNvSpPr>
+            <a:spLocks noGrp="1"/>
+          </p:cNvSpPr>
+          <p:nvPr>
+            <p:ph type="sldImg" idx="2"/>
+          </p:nvPr>
+        </p:nvSpPr>
+        <p:spPr/>
+      </p:sp>
+      <p:sp>
+        <p:nvSpPr>
+          <p:cNvPr id="3" name="文本占位符 2"/>
+          <p:cNvSpPr>
+            <a:spLocks noGrp="1"/>
+          </p:cNvSpPr>
+          <p:nvPr>
+            <p:ph type="body" idx="3"/>
+          </p:nvPr>
+        </p:nvSpPr>
+        <p:spPr/>
+        <p:txBody>
+          <a:bodyPr/>
+          <a:p>
+            <a:r>
+              <a:rPr lang="en-US" altLang="zh-CN"/>
+              <a:t>For the details of feature extraction, actually it is simple because of the small amount number of patients and features.</a:t>
+            </a:r>
+            <a:endParaRPr lang="en-US" altLang="zh-CN"/>
+          </a:p>
+          <a:p>
+            <a:r>
+              <a:rPr lang="en-US" altLang="zh-CN"/>
+              <a:t>For the three tasks with information, we only utilize the duration that the patients have actions, while for resting task, we calculate the average value of the whole 60 seconds.</a:t>
+            </a:r>
+            <a:endParaRPr lang="en-US" altLang="zh-CN"/>
+          </a:p>
+          <a:p>
+            <a:r>
+              <a:rPr lang="en-US" altLang="zh-CN"/>
+              <a:t>After segmentation, in the EEG part, we calculate the power spectral density of each band, and in the fNIRS part, we caculate some specific feature of the signal shown in the literate.</a:t>
+            </a:r>
+            <a:endParaRPr lang="en-US" altLang="zh-CN"/>
+          </a:p>
+        </p:txBody>
+      </p:sp>
+    </p:spTree>
+  </p:cSld>
+  <p:clrMapOvr>
+    <a:masterClrMapping/>
+  </p:clrMapOvr>
+</p:notes>
+</file>
+
+<file path=ppt/notesSlides/notesSlide6.xml><?xml version="1.0" encoding="utf-8"?>
+<p:notes xmlns:a="http://schemas.openxmlformats.org/drawingml/2006/main" xmlns:r="http://schemas.openxmlformats.org/officeDocument/2006/relationships" xmlns:p="http://schemas.openxmlformats.org/presentationml/2006/main">
+  <p:cSld>
+    <p:spTree>
+      <p:nvGrpSpPr>
+        <p:cNvPr id="1" name=""/>
+        <p:cNvGrpSpPr/>
+        <p:nvPr/>
+      </p:nvGrpSpPr>
+      <p:grpSpPr/>
+      <p:sp>
+        <p:nvSpPr>
+          <p:cNvPr id="2" name="幻灯片图像占位符 1"/>
+          <p:cNvSpPr>
+            <a:spLocks noGrp="1"/>
+          </p:cNvSpPr>
+          <p:nvPr>
+            <p:ph type="sldImg" idx="2"/>
+          </p:nvPr>
+        </p:nvSpPr>
+        <p:spPr/>
+      </p:sp>
+      <p:sp>
+        <p:nvSpPr>
+          <p:cNvPr id="3" name="文本占位符 2"/>
+          <p:cNvSpPr>
+            <a:spLocks noGrp="1"/>
+          </p:cNvSpPr>
+          <p:nvPr>
+            <p:ph type="body" idx="3"/>
+          </p:nvPr>
+        </p:nvSpPr>
+        <p:spPr/>
+        <p:txBody>
+          <a:bodyPr/>
+          <a:p>
+            <a:endParaRPr lang="zh-CN" altLang="en-US"/>
           </a:p>
         </p:txBody>
       </p:sp>
@@ -5222,7 +5534,16 @@
                 </a:solidFill>
                 <a:uFillTx/>
               </a:rPr>
-              <a:t>60–70% of cases of all dementia cases.</a:t>
+              <a:t>60–70% of cases of all dementia cases</a:t>
+            </a:r>
+            <a:r>
+              <a:rPr lang="en-US" altLang="zh-CN" sz="2400" baseline="30000">
+                <a:solidFill>
+                  <a:schemeClr val="bg1"/>
+                </a:solidFill>
+                <a:uFillTx/>
+              </a:rPr>
+              <a:t>[1]</a:t>
             </a:r>
             <a:endParaRPr lang="en-US" altLang="zh-CN" sz="2400" baseline="30000">
               <a:solidFill>
@@ -5484,7 +5805,29 @@
                 <a:latin typeface="+mn-lt"/>
                 <a:cs typeface="+mn-lt"/>
               </a:rPr>
-              <a:t> believed to be involved:</a:t>
+              <a:t> believed to be involved</a:t>
+            </a:r>
+            <a:r>
+              <a:rPr lang="en-US" altLang="zh-CN" sz="2400" baseline="30000">
+                <a:solidFill>
+                  <a:schemeClr val="bg1"/>
+                </a:solidFill>
+                <a:uFillTx/>
+                <a:latin typeface="+mn-lt"/>
+                <a:cs typeface="+mn-lt"/>
+              </a:rPr>
+              <a:t>[2]</a:t>
+            </a:r>
+            <a:r>
+              <a:rPr lang="en-US" altLang="zh-CN" sz="2400">
+                <a:solidFill>
+                  <a:schemeClr val="bg1"/>
+                </a:solidFill>
+                <a:uFillTx/>
+                <a:latin typeface="+mn-lt"/>
+                <a:cs typeface="+mn-lt"/>
+              </a:rPr>
+              <a:t>:</a:t>
             </a:r>
             <a:endParaRPr lang="en-US" altLang="zh-CN" sz="2400">
               <a:solidFill>
@@ -5709,6 +6052,69 @@
           </a:extLst>
         </p:spPr>
       </p:pic>
+      <p:sp>
+        <p:nvSpPr>
+          <p:cNvPr id="6" name="文本框 5"/>
+          <p:cNvSpPr txBox="1"/>
+          <p:nvPr/>
+        </p:nvSpPr>
+        <p:spPr>
+          <a:xfrm>
+            <a:off x="4951730" y="6285865"/>
+            <a:ext cx="6096000" cy="398780"/>
+          </a:xfrm>
+          <a:prstGeom prst="rect">
+            <a:avLst/>
+          </a:prstGeom>
+          <a:noFill/>
+        </p:spPr>
+        <p:txBody>
+          <a:bodyPr wrap="square" rtlCol="0" anchor="t">
+            <a:spAutoFit/>
+          </a:bodyPr>
+          <a:p>
+            <a:r>
+              <a:rPr lang="en-US" altLang="zh-CN" sz="1000">
+                <a:solidFill>
+                  <a:schemeClr val="bg1"/>
+                </a:solidFill>
+                <a:latin typeface="Times New Roman" panose="02020603050405020304" charset="0"/>
+                <a:cs typeface="Times New Roman" panose="02020603050405020304" charset="0"/>
+                <a:sym typeface="+mn-ea"/>
+              </a:rPr>
+              <a:t>[1] "Dementia Fact sheet". World Health Organization. 15 March 2023. Retrieved 10 July 2023.</a:t>
+            </a:r>
+            <a:endParaRPr lang="en-US" altLang="zh-CN" sz="1000">
+              <a:solidFill>
+                <a:schemeClr val="bg1"/>
+              </a:solidFill>
+              <a:latin typeface="Times New Roman" panose="02020603050405020304" charset="0"/>
+              <a:cs typeface="Times New Roman" panose="02020603050405020304" charset="0"/>
+            </a:endParaRPr>
+          </a:p>
+          <a:p>
+            <a:r>
+              <a:rPr lang="en-US" altLang="zh-CN" sz="1000">
+                <a:solidFill>
+                  <a:schemeClr val="bg1"/>
+                </a:solidFill>
+                <a:latin typeface="Times New Roman" panose="02020603050405020304" charset="0"/>
+                <a:cs typeface="Times New Roman" panose="02020603050405020304" charset="0"/>
+                <a:sym typeface="+mn-ea"/>
+              </a:rPr>
+              <a:t>[2] https://en.wikipedia.org/wiki/Alzheimer%27s_disease#cite_note-WHO2023-2</a:t>
+            </a:r>
+            <a:endParaRPr lang="en-US" altLang="zh-CN" sz="1000">
+              <a:solidFill>
+                <a:schemeClr val="bg1"/>
+              </a:solidFill>
+              <a:latin typeface="Times New Roman" panose="02020603050405020304" charset="0"/>
+              <a:cs typeface="Times New Roman" panose="02020603050405020304" charset="0"/>
+              <a:sym typeface="+mn-ea"/>
+            </a:endParaRPr>
+          </a:p>
+        </p:txBody>
+      </p:sp>
     </p:spTree>
   </p:cSld>
   <p:clrMapOvr>
@@ -5841,7 +6247,7 @@
         </p:nvSpPr>
         <p:spPr>
           <a:xfrm>
-            <a:off x="609600" y="1229566"/>
+            <a:off x="609600" y="884761"/>
             <a:ext cx="10972800" cy="4525963"/>
           </a:xfrm>
         </p:spPr>
@@ -5908,7 +6314,7 @@
             </a:r>
             <a:r>
               <a:rPr lang="en-US" altLang="zh-CN" sz="2400" b="1"/>
-              <a:t>NC</a:t>
+              <a:t>HC</a:t>
             </a:r>
             <a:r>
               <a:rPr lang="en-US" altLang="zh-CN" sz="2400"/>
@@ -5916,7 +6322,11 @@
             </a:r>
             <a:r>
               <a:rPr lang="en-US" altLang="zh-CN" sz="2000"/>
-              <a:t>(Normal Cognition)</a:t>
+              <a:t>(</a:t>
+            </a:r>
+            <a:r>
+              <a:rPr lang="en-US" altLang="zh-CN" sz="2000"/>
+              <a:t>Healthy Controls)</a:t>
             </a:r>
             <a:r>
               <a:rPr lang="en-US" altLang="zh-CN" sz="2400"/>
@@ -5927,7 +6337,17 @@
           <a:p>
             <a:r>
               <a:rPr lang="en-US" altLang="zh-CN" sz="2400"/>
-              <a:t>Focus of Study: Classify participants into these three categories</a:t>
+              <a:t> Focus of Study: Classify participants into these three categories</a:t>
+            </a:r>
+            <a:endParaRPr lang="en-US" altLang="zh-CN" sz="2400"/>
+          </a:p>
+          <a:p>
+            <a:pPr marL="0" indent="457200">
+              <a:buNone/>
+            </a:pPr>
+            <a:r>
+              <a:rPr lang="en-US" altLang="zh-CN" sz="2400"/>
+              <a:t>A dataset of 63 HC, 46 MCI, and 35 AD patients</a:t>
             </a:r>
             <a:endParaRPr lang="en-US" altLang="zh-CN" sz="2400"/>
           </a:p>
@@ -6328,16 +6748,28 @@
               <a:buNone/>
             </a:pPr>
             <a:r>
-              <a:rPr lang="en-US" altLang="zh-CN"/>
-              <a:t>- Exploit complementary strengths</a:t>
-            </a:r>
-            <a:endParaRPr lang="en-US" altLang="zh-CN"/>
+              <a:rPr lang="en-US" altLang="zh-CN">
+                <a:solidFill>
+                  <a:srgbClr val="FFFF00"/>
+                </a:solidFill>
+              </a:rPr>
+              <a:t>Exploit complementary strengths</a:t>
+            </a:r>
+            <a:endParaRPr lang="en-US" altLang="zh-CN">
+              <a:solidFill>
+                <a:srgbClr val="FFFF00"/>
+              </a:solidFill>
+            </a:endParaRPr>
           </a:p>
           <a:p>
             <a:pPr marL="0" indent="0">
               <a:buNone/>
             </a:pPr>
-            <a:endParaRPr lang="zh-CN" altLang="en-US"/>
+            <a:endParaRPr lang="en-US" altLang="zh-CN">
+              <a:solidFill>
+                <a:srgbClr val="FFFF00"/>
+              </a:solidFill>
+            </a:endParaRPr>
           </a:p>
         </p:txBody>
       </p:sp>
@@ -6359,7 +6791,7 @@
         </p:blipFill>
         <p:spPr>
           <a:xfrm>
-            <a:off x="10166350" y="1025525"/>
+            <a:off x="6597015" y="817880"/>
             <a:ext cx="1831340" cy="1831340"/>
           </a:xfrm>
           <a:prstGeom prst="rect">
@@ -6383,7 +6815,7 @@
         </p:blipFill>
         <p:spPr>
           <a:xfrm>
-            <a:off x="8020050" y="2957830"/>
+            <a:off x="7982585" y="2724150"/>
             <a:ext cx="4047490" cy="3086735"/>
           </a:xfrm>
           <a:prstGeom prst="rect">
@@ -6402,7 +6834,7 @@
           </p:nvPr>
         </p:nvGraphicFramePr>
         <p:xfrm>
-          <a:off x="478155" y="3026410"/>
+          <a:off x="478155" y="2649220"/>
           <a:ext cx="7242810" cy="2603500"/>
         </p:xfrm>
         <a:graphic>
@@ -7769,7 +8201,7 @@
               <a:rPr lang="en-US" altLang="zh-CN">
                 <a:sym typeface="+mn-ea"/>
               </a:rPr>
-              <a:t>Methods: Feature Extracion</a:t>
+              <a:t>Methods: Feature Extraction</a:t>
             </a:r>
             <a:endParaRPr lang="en-US" altLang="zh-CN"/>
           </a:p>
